--- a/images/projects.pptx
+++ b/images/projects.pptx
@@ -3567,7 +3567,7 @@
         </p:nvGrpSpPr>
         <p:grpSpPr>
           <a:xfrm>
-            <a:off x="26755205" y="19244340"/>
+            <a:off x="17300412" y="18032518"/>
             <a:ext cx="5732456" cy="2847736"/>
             <a:chOff x="28835465" y="27197139"/>
             <a:chExt cx="5732456" cy="2847736"/>
@@ -3618,7 +3618,7 @@
           <p:spPr>
             <a:xfrm>
               <a:off x="29001756" y="27436067"/>
-              <a:ext cx="5383088" cy="2369880"/>
+              <a:ext cx="5383088" cy="2446824"/>
             </a:xfrm>
             <a:prstGeom prst="rect">
               <a:avLst/>
@@ -3652,6 +3652,11 @@
               </a:endParaRPr>
             </a:p>
             <a:p>
+              <a:pPr>
+                <a:spcAft>
+                  <a:spcPts val="600"/>
+                </a:spcAft>
+              </a:pPr>
               <a:r>
                 <a:rPr lang="en-GB" sz="2000" dirty="0">
                   <a:solidFill>
@@ -3827,7 +3832,7 @@
         </p:nvGrpSpPr>
         <p:grpSpPr>
           <a:xfrm>
-            <a:off x="33276224" y="19225845"/>
+            <a:off x="23601713" y="21440131"/>
             <a:ext cx="5749241" cy="2866231"/>
             <a:chOff x="33276224" y="19225845"/>
             <a:chExt cx="5749241" cy="2866231"/>
@@ -4191,7 +4196,7 @@
         <p:spPr>
           <a:xfrm>
             <a:off x="33467693" y="23248270"/>
-            <a:ext cx="5383088" cy="2092881"/>
+            <a:ext cx="5383088" cy="2015936"/>
           </a:xfrm>
           <a:prstGeom prst="rect">
             <a:avLst/>
@@ -4295,6 +4300,304 @@
           </a:p>
         </p:txBody>
       </p:sp>
+      <p:grpSp>
+        <p:nvGrpSpPr>
+          <p:cNvPr id="7" name="Group 6">
+            <a:extLst>
+              <a:ext uri="{FF2B5EF4-FFF2-40B4-BE49-F238E27FC236}">
+                <a16:creationId xmlns:a16="http://schemas.microsoft.com/office/drawing/2014/main" id="{83D8A4B0-7D99-E545-8031-A5B7596D10BE}"/>
+              </a:ext>
+            </a:extLst>
+          </p:cNvPr>
+          <p:cNvGrpSpPr/>
+          <p:nvPr/>
+        </p:nvGrpSpPr>
+        <p:grpSpPr>
+          <a:xfrm>
+            <a:off x="17283627" y="21446972"/>
+            <a:ext cx="5749241" cy="2847738"/>
+            <a:chOff x="23199160" y="15645802"/>
+            <a:chExt cx="5749241" cy="2847738"/>
+          </a:xfrm>
+        </p:grpSpPr>
+        <p:sp>
+          <p:nvSpPr>
+            <p:cNvPr id="6" name="Rectangle 5">
+              <a:extLst>
+                <a:ext uri="{FF2B5EF4-FFF2-40B4-BE49-F238E27FC236}">
+                  <a16:creationId xmlns:a16="http://schemas.microsoft.com/office/drawing/2014/main" id="{630F7880-B85E-0342-8B34-E527BE0CF93F}"/>
+                </a:ext>
+              </a:extLst>
+            </p:cNvPr>
+            <p:cNvSpPr/>
+            <p:nvPr/>
+          </p:nvSpPr>
+          <p:spPr>
+            <a:xfrm>
+              <a:off x="23199160" y="15645804"/>
+              <a:ext cx="5732456" cy="2847736"/>
+            </a:xfrm>
+            <a:prstGeom prst="rect">
+              <a:avLst/>
+            </a:prstGeom>
+            <a:solidFill>
+              <a:srgbClr val="FFB66D"/>
+            </a:solidFill>
+            <a:ln>
+              <a:noFill/>
+            </a:ln>
+          </p:spPr>
+          <p:style>
+            <a:lnRef idx="2">
+              <a:schemeClr val="accent1">
+                <a:shade val="50000"/>
+              </a:schemeClr>
+            </a:lnRef>
+            <a:fillRef idx="1">
+              <a:schemeClr val="accent1"/>
+            </a:fillRef>
+            <a:effectRef idx="0">
+              <a:schemeClr val="accent1"/>
+            </a:effectRef>
+            <a:fontRef idx="minor">
+              <a:schemeClr val="lt1"/>
+            </a:fontRef>
+          </p:style>
+          <p:txBody>
+            <a:bodyPr rtlCol="0" anchor="ctr"/>
+            <a:lstStyle/>
+            <a:p>
+              <a:pPr algn="ctr"/>
+              <a:endParaRPr lang="en-GB" dirty="0">
+                <a:solidFill>
+                  <a:schemeClr val="bg1"/>
+                </a:solidFill>
+              </a:endParaRPr>
+            </a:p>
+          </p:txBody>
+        </p:sp>
+        <p:pic>
+          <p:nvPicPr>
+            <p:cNvPr id="5" name="Picture 4">
+              <a:extLst>
+                <a:ext uri="{FF2B5EF4-FFF2-40B4-BE49-F238E27FC236}">
+                  <a16:creationId xmlns:a16="http://schemas.microsoft.com/office/drawing/2014/main" id="{E60EC17B-3430-574A-B79A-3DE3E5E400F1}"/>
+                </a:ext>
+              </a:extLst>
+            </p:cNvPr>
+            <p:cNvPicPr>
+              <a:picLocks noChangeAspect="1"/>
+            </p:cNvPicPr>
+            <p:nvPr/>
+          </p:nvPicPr>
+          <p:blipFill>
+            <a:blip r:embed="rId6"/>
+            <a:stretch>
+              <a:fillRect/>
+            </a:stretch>
+          </p:blipFill>
+          <p:spPr>
+            <a:xfrm>
+              <a:off x="26226688" y="16779240"/>
+              <a:ext cx="2637383" cy="1714299"/>
+            </a:xfrm>
+            <a:prstGeom prst="rect">
+              <a:avLst/>
+            </a:prstGeom>
+          </p:spPr>
+        </p:pic>
+        <p:sp>
+          <p:nvSpPr>
+            <p:cNvPr id="27" name="Rectangle 26">
+              <a:extLst>
+                <a:ext uri="{FF2B5EF4-FFF2-40B4-BE49-F238E27FC236}">
+                  <a16:creationId xmlns:a16="http://schemas.microsoft.com/office/drawing/2014/main" id="{523F623D-E6D6-B543-8F5A-AAB037E5A888}"/>
+                </a:ext>
+              </a:extLst>
+            </p:cNvPr>
+            <p:cNvSpPr/>
+            <p:nvPr/>
+          </p:nvSpPr>
+          <p:spPr>
+            <a:xfrm>
+              <a:off x="23199160" y="15645802"/>
+              <a:ext cx="5749241" cy="2847737"/>
+            </a:xfrm>
+            <a:prstGeom prst="rect">
+              <a:avLst/>
+            </a:prstGeom>
+            <a:gradFill flip="none" rotWithShape="1">
+              <a:gsLst>
+                <a:gs pos="100000">
+                  <a:schemeClr val="tx2">
+                    <a:lumMod val="60000"/>
+                    <a:lumOff val="40000"/>
+                    <a:alpha val="26000"/>
+                  </a:schemeClr>
+                </a:gs>
+                <a:gs pos="0">
+                  <a:schemeClr val="bg1">
+                    <a:alpha val="15000"/>
+                  </a:schemeClr>
+                </a:gs>
+              </a:gsLst>
+              <a:lin ang="7800000" scaled="0"/>
+              <a:tileRect/>
+            </a:gradFill>
+            <a:ln>
+              <a:noFill/>
+            </a:ln>
+          </p:spPr>
+          <p:style>
+            <a:lnRef idx="2">
+              <a:schemeClr val="accent1">
+                <a:shade val="50000"/>
+              </a:schemeClr>
+            </a:lnRef>
+            <a:fillRef idx="1">
+              <a:schemeClr val="accent1"/>
+            </a:fillRef>
+            <a:effectRef idx="0">
+              <a:schemeClr val="accent1"/>
+            </a:effectRef>
+            <a:fontRef idx="minor">
+              <a:schemeClr val="lt1"/>
+            </a:fontRef>
+          </p:style>
+          <p:txBody>
+            <a:bodyPr rtlCol="0" anchor="ctr"/>
+            <a:lstStyle/>
+            <a:p>
+              <a:pPr algn="ctr"/>
+              <a:endParaRPr lang="en-GB" dirty="0"/>
+            </a:p>
+          </p:txBody>
+        </p:sp>
+        <p:sp>
+          <p:nvSpPr>
+            <p:cNvPr id="25" name="TextBox 24">
+              <a:extLst>
+                <a:ext uri="{FF2B5EF4-FFF2-40B4-BE49-F238E27FC236}">
+                  <a16:creationId xmlns:a16="http://schemas.microsoft.com/office/drawing/2014/main" id="{32A11009-C165-E14C-B768-4DBF74022E8D}"/>
+                </a:ext>
+              </a:extLst>
+            </p:cNvPr>
+            <p:cNvSpPr txBox="1"/>
+            <p:nvPr/>
+          </p:nvSpPr>
+          <p:spPr>
+            <a:xfrm>
+              <a:off x="23390629" y="15877890"/>
+              <a:ext cx="5383088" cy="2354491"/>
+            </a:xfrm>
+            <a:prstGeom prst="rect">
+              <a:avLst/>
+            </a:prstGeom>
+            <a:noFill/>
+          </p:spPr>
+          <p:txBody>
+            <a:bodyPr wrap="square" rtlCol="0">
+              <a:spAutoFit/>
+            </a:bodyPr>
+            <a:lstStyle/>
+            <a:p>
+              <a:r>
+                <a:rPr lang="en-GB" sz="3200" b="1" dirty="0">
+                  <a:solidFill>
+                    <a:srgbClr val="435478"/>
+                  </a:solidFill>
+                  <a:latin typeface="Arial" panose="020B0604020202020204" pitchFamily="34" charset="0"/>
+                  <a:cs typeface="Arial" panose="020B0604020202020204" pitchFamily="34" charset="0"/>
+                </a:rPr>
+                <a:t>Cancer</a:t>
+              </a:r>
+            </a:p>
+            <a:p>
+              <a:endParaRPr lang="en-GB" sz="2200" dirty="0">
+                <a:solidFill>
+                  <a:srgbClr val="435478"/>
+                </a:solidFill>
+                <a:latin typeface="Arial" panose="020B0604020202020204" pitchFamily="34" charset="0"/>
+                <a:cs typeface="Arial" panose="020B0604020202020204" pitchFamily="34" charset="0"/>
+              </a:endParaRPr>
+            </a:p>
+            <a:p>
+              <a:pPr>
+                <a:spcAft>
+                  <a:spcPts val="600"/>
+                </a:spcAft>
+              </a:pPr>
+              <a:r>
+                <a:rPr lang="en-GB" sz="2200" dirty="0">
+                  <a:solidFill>
+                    <a:srgbClr val="435478"/>
+                  </a:solidFill>
+                  <a:latin typeface="Arial" panose="020B0604020202020204" pitchFamily="34" charset="0"/>
+                  <a:cs typeface="Arial" panose="020B0604020202020204" pitchFamily="34" charset="0"/>
+                </a:rPr>
+                <a:t>Resource: Atlas of Cancer Signalling Network </a:t>
+              </a:r>
+            </a:p>
+            <a:p>
+              <a:pPr>
+                <a:spcAft>
+                  <a:spcPts val="600"/>
+                </a:spcAft>
+              </a:pPr>
+              <a:r>
+                <a:rPr lang="en-GB" sz="2200" dirty="0">
+                  <a:solidFill>
+                    <a:srgbClr val="435478"/>
+                  </a:solidFill>
+                  <a:latin typeface="Arial" panose="020B0604020202020204" pitchFamily="34" charset="0"/>
+                  <a:cs typeface="Arial" panose="020B0604020202020204" pitchFamily="34" charset="0"/>
+                </a:rPr>
+                <a:t>Contact: Inna </a:t>
+              </a:r>
+              <a:r>
+                <a:rPr lang="en-GB" sz="2200" dirty="0" err="1">
+                  <a:solidFill>
+                    <a:srgbClr val="435478"/>
+                  </a:solidFill>
+                  <a:latin typeface="Arial" panose="020B0604020202020204" pitchFamily="34" charset="0"/>
+                  <a:cs typeface="Arial" panose="020B0604020202020204" pitchFamily="34" charset="0"/>
+                </a:rPr>
+                <a:t>Kuperstein</a:t>
+              </a:r>
+              <a:r>
+                <a:rPr lang="en-GB" sz="2200" dirty="0">
+                  <a:solidFill>
+                    <a:srgbClr val="435478"/>
+                  </a:solidFill>
+                  <a:latin typeface="Arial" panose="020B0604020202020204" pitchFamily="34" charset="0"/>
+                  <a:cs typeface="Arial" panose="020B0604020202020204" pitchFamily="34" charset="0"/>
+                </a:rPr>
+                <a:t>, </a:t>
+              </a:r>
+              <a:r>
+                <a:rPr lang="en-GB" sz="2200" dirty="0" err="1">
+                  <a:solidFill>
+                    <a:srgbClr val="435478"/>
+                  </a:solidFill>
+                  <a:latin typeface="Arial" panose="020B0604020202020204" pitchFamily="34" charset="0"/>
+                  <a:cs typeface="Arial" panose="020B0604020202020204" pitchFamily="34" charset="0"/>
+                </a:rPr>
+                <a:t>Institut</a:t>
+              </a:r>
+              <a:r>
+                <a:rPr lang="en-GB" sz="2200" dirty="0">
+                  <a:solidFill>
+                    <a:srgbClr val="435478"/>
+                  </a:solidFill>
+                  <a:latin typeface="Arial" panose="020B0604020202020204" pitchFamily="34" charset="0"/>
+                  <a:cs typeface="Arial" panose="020B0604020202020204" pitchFamily="34" charset="0"/>
+                </a:rPr>
+                <a:t> Curie, Paris, France</a:t>
+              </a:r>
+            </a:p>
+          </p:txBody>
+        </p:sp>
+      </p:grpSp>
     </p:spTree>
     <p:extLst>
       <p:ext uri="{BB962C8B-B14F-4D97-AF65-F5344CB8AC3E}">

--- a/images/projects.pptx
+++ b/images/projects.pptx
@@ -3567,7 +3567,7 @@
         </p:nvGrpSpPr>
         <p:grpSpPr>
           <a:xfrm>
-            <a:off x="17300412" y="18032518"/>
+            <a:off x="10220483" y="16083900"/>
             <a:ext cx="5732456" cy="2847736"/>
             <a:chOff x="28835465" y="27197139"/>
             <a:chExt cx="5732456" cy="2847736"/>
@@ -3818,12 +3818,473 @@
           </a:p>
         </p:txBody>
       </p:sp>
+      <p:pic>
+        <p:nvPicPr>
+          <p:cNvPr id="68" name="Picture 67">
+            <a:extLst>
+              <a:ext uri="{FF2B5EF4-FFF2-40B4-BE49-F238E27FC236}">
+                <a16:creationId xmlns:a16="http://schemas.microsoft.com/office/drawing/2014/main" id="{77BC7BDE-97EB-BC49-96A7-DE5327FD62D0}"/>
+              </a:ext>
+            </a:extLst>
+          </p:cNvPr>
+          <p:cNvPicPr>
+            <a:picLocks noChangeAspect="1"/>
+          </p:cNvPicPr>
+          <p:nvPr/>
+        </p:nvPicPr>
+        <p:blipFill>
+          <a:blip r:embed="rId5"/>
+          <a:stretch>
+            <a:fillRect/>
+          </a:stretch>
+        </p:blipFill>
+        <p:spPr>
+          <a:xfrm>
+            <a:off x="23601713" y="21440134"/>
+            <a:ext cx="5732456" cy="2866228"/>
+          </a:xfrm>
+          <a:prstGeom prst="rect">
+            <a:avLst/>
+          </a:prstGeom>
+        </p:spPr>
+      </p:pic>
+      <p:sp>
+        <p:nvSpPr>
+          <p:cNvPr id="65" name="Rectangle 64">
+            <a:extLst>
+              <a:ext uri="{FF2B5EF4-FFF2-40B4-BE49-F238E27FC236}">
+                <a16:creationId xmlns:a16="http://schemas.microsoft.com/office/drawing/2014/main" id="{12080B17-679E-5B40-96C2-70683C643636}"/>
+              </a:ext>
+            </a:extLst>
+          </p:cNvPr>
+          <p:cNvSpPr/>
+          <p:nvPr/>
+        </p:nvSpPr>
+        <p:spPr>
+          <a:xfrm>
+            <a:off x="23601713" y="21440131"/>
+            <a:ext cx="5749241" cy="2847737"/>
+          </a:xfrm>
+          <a:prstGeom prst="rect">
+            <a:avLst/>
+          </a:prstGeom>
+          <a:gradFill flip="none" rotWithShape="1">
+            <a:gsLst>
+              <a:gs pos="100000">
+                <a:schemeClr val="tx2">
+                  <a:lumMod val="60000"/>
+                  <a:lumOff val="40000"/>
+                  <a:alpha val="26000"/>
+                </a:schemeClr>
+              </a:gs>
+              <a:gs pos="0">
+                <a:schemeClr val="bg1">
+                  <a:alpha val="15000"/>
+                </a:schemeClr>
+              </a:gs>
+            </a:gsLst>
+            <a:lin ang="7800000" scaled="0"/>
+            <a:tileRect/>
+          </a:gradFill>
+          <a:ln>
+            <a:noFill/>
+          </a:ln>
+        </p:spPr>
+        <p:style>
+          <a:lnRef idx="2">
+            <a:schemeClr val="accent1">
+              <a:shade val="50000"/>
+            </a:schemeClr>
+          </a:lnRef>
+          <a:fillRef idx="1">
+            <a:schemeClr val="accent1"/>
+          </a:fillRef>
+          <a:effectRef idx="0">
+            <a:schemeClr val="accent1"/>
+          </a:effectRef>
+          <a:fontRef idx="minor">
+            <a:schemeClr val="lt1"/>
+          </a:fontRef>
+        </p:style>
+        <p:txBody>
+          <a:bodyPr rtlCol="0" anchor="ctr"/>
+          <a:lstStyle/>
+          <a:p>
+            <a:pPr algn="ctr"/>
+            <a:endParaRPr lang="en-GB" dirty="0"/>
+          </a:p>
+        </p:txBody>
+      </p:sp>
+      <p:sp>
+        <p:nvSpPr>
+          <p:cNvPr id="66" name="TextBox 65">
+            <a:extLst>
+              <a:ext uri="{FF2B5EF4-FFF2-40B4-BE49-F238E27FC236}">
+                <a16:creationId xmlns:a16="http://schemas.microsoft.com/office/drawing/2014/main" id="{F7B6383C-062F-4D48-A2FA-51826A7ADD18}"/>
+              </a:ext>
+            </a:extLst>
+          </p:cNvPr>
+          <p:cNvSpPr txBox="1"/>
+          <p:nvPr/>
+        </p:nvSpPr>
+        <p:spPr>
+          <a:xfrm>
+            <a:off x="23784790" y="21679061"/>
+            <a:ext cx="5383088" cy="2092881"/>
+          </a:xfrm>
+          <a:prstGeom prst="rect">
+            <a:avLst/>
+          </a:prstGeom>
+          <a:noFill/>
+        </p:spPr>
+        <p:txBody>
+          <a:bodyPr wrap="square" rtlCol="0">
+            <a:spAutoFit/>
+          </a:bodyPr>
+          <a:lstStyle/>
+          <a:p>
+            <a:r>
+              <a:rPr lang="en-GB" sz="3200" b="1" dirty="0">
+                <a:solidFill>
+                  <a:srgbClr val="435478"/>
+                </a:solidFill>
+                <a:latin typeface="Arial" panose="020B0604020202020204" pitchFamily="34" charset="0"/>
+                <a:cs typeface="Arial" panose="020B0604020202020204" pitchFamily="34" charset="0"/>
+              </a:rPr>
+              <a:t>Parkinson’s disease</a:t>
+            </a:r>
+          </a:p>
+          <a:p>
+            <a:endParaRPr lang="en-GB" sz="2200" dirty="0">
+              <a:solidFill>
+                <a:srgbClr val="435478"/>
+              </a:solidFill>
+              <a:latin typeface="Arial" panose="020B0604020202020204" pitchFamily="34" charset="0"/>
+              <a:cs typeface="Arial" panose="020B0604020202020204" pitchFamily="34" charset="0"/>
+            </a:endParaRPr>
+          </a:p>
+          <a:p>
+            <a:pPr>
+              <a:spcAft>
+                <a:spcPts val="600"/>
+              </a:spcAft>
+            </a:pPr>
+            <a:r>
+              <a:rPr lang="en-GB" sz="2200" dirty="0">
+                <a:solidFill>
+                  <a:srgbClr val="435478"/>
+                </a:solidFill>
+                <a:latin typeface="Arial" panose="020B0604020202020204" pitchFamily="34" charset="0"/>
+                <a:cs typeface="Arial" panose="020B0604020202020204" pitchFamily="34" charset="0"/>
+              </a:rPr>
+              <a:t>Resource: Parkinson’s Disease Map</a:t>
+            </a:r>
+          </a:p>
+          <a:p>
+            <a:r>
+              <a:rPr lang="en-GB" sz="2200" dirty="0">
+                <a:solidFill>
+                  <a:srgbClr val="435478"/>
+                </a:solidFill>
+                <a:latin typeface="Arial" panose="020B0604020202020204" pitchFamily="34" charset="0"/>
+                <a:cs typeface="Arial" panose="020B0604020202020204" pitchFamily="34" charset="0"/>
+              </a:rPr>
+              <a:t>Contact: Marek </a:t>
+            </a:r>
+            <a:r>
+              <a:rPr lang="en-GB" sz="2200" dirty="0" err="1">
+                <a:solidFill>
+                  <a:srgbClr val="435478"/>
+                </a:solidFill>
+                <a:latin typeface="Arial" panose="020B0604020202020204" pitchFamily="34" charset="0"/>
+                <a:cs typeface="Arial" panose="020B0604020202020204" pitchFamily="34" charset="0"/>
+              </a:rPr>
+              <a:t>Ostaszewski</a:t>
+            </a:r>
+            <a:r>
+              <a:rPr lang="en-GB" sz="2200" dirty="0">
+                <a:solidFill>
+                  <a:srgbClr val="435478"/>
+                </a:solidFill>
+                <a:latin typeface="Arial" panose="020B0604020202020204" pitchFamily="34" charset="0"/>
+                <a:cs typeface="Arial" panose="020B0604020202020204" pitchFamily="34" charset="0"/>
+              </a:rPr>
+              <a:t>, University of Luxembourg, </a:t>
+            </a:r>
+            <a:r>
+              <a:rPr lang="en-GB" sz="2200" dirty="0" err="1">
+                <a:solidFill>
+                  <a:srgbClr val="435478"/>
+                </a:solidFill>
+                <a:latin typeface="Arial" panose="020B0604020202020204" pitchFamily="34" charset="0"/>
+                <a:cs typeface="Arial" panose="020B0604020202020204" pitchFamily="34" charset="0"/>
+              </a:rPr>
+              <a:t>Belvaux</a:t>
+            </a:r>
+            <a:r>
+              <a:rPr lang="en-GB" sz="2200" dirty="0">
+                <a:solidFill>
+                  <a:srgbClr val="435478"/>
+                </a:solidFill>
+                <a:latin typeface="Arial" panose="020B0604020202020204" pitchFamily="34" charset="0"/>
+                <a:cs typeface="Arial" panose="020B0604020202020204" pitchFamily="34" charset="0"/>
+              </a:rPr>
+              <a:t>, Luxembourg</a:t>
+            </a:r>
+          </a:p>
+        </p:txBody>
+      </p:sp>
+      <p:pic>
+        <p:nvPicPr>
+          <p:cNvPr id="67" name="Picture 66">
+            <a:extLst>
+              <a:ext uri="{FF2B5EF4-FFF2-40B4-BE49-F238E27FC236}">
+                <a16:creationId xmlns:a16="http://schemas.microsoft.com/office/drawing/2014/main" id="{712CB348-8DC9-504F-B558-AF58C7389509}"/>
+              </a:ext>
+            </a:extLst>
+          </p:cNvPr>
+          <p:cNvPicPr>
+            <a:picLocks noChangeAspect="1"/>
+          </p:cNvPicPr>
+          <p:nvPr/>
+        </p:nvPicPr>
+        <p:blipFill>
+          <a:blip r:embed="rId5"/>
+          <a:stretch>
+            <a:fillRect/>
+          </a:stretch>
+        </p:blipFill>
+        <p:spPr>
+          <a:xfrm>
+            <a:off x="33293009" y="15545247"/>
+            <a:ext cx="5732456" cy="2866228"/>
+          </a:xfrm>
+          <a:prstGeom prst="rect">
+            <a:avLst/>
+          </a:prstGeom>
+        </p:spPr>
+      </p:pic>
+      <p:pic>
+        <p:nvPicPr>
+          <p:cNvPr id="83" name="Picture 82">
+            <a:extLst>
+              <a:ext uri="{FF2B5EF4-FFF2-40B4-BE49-F238E27FC236}">
+                <a16:creationId xmlns:a16="http://schemas.microsoft.com/office/drawing/2014/main" id="{ACD6C50D-07C9-E346-900B-997CAE2376D7}"/>
+              </a:ext>
+            </a:extLst>
+          </p:cNvPr>
+          <p:cNvPicPr>
+            <a:picLocks noChangeAspect="1"/>
+          </p:cNvPicPr>
+          <p:nvPr/>
+        </p:nvPicPr>
+        <p:blipFill>
+          <a:blip r:embed="rId5"/>
+          <a:stretch>
+            <a:fillRect/>
+          </a:stretch>
+        </p:blipFill>
+        <p:spPr>
+          <a:xfrm>
+            <a:off x="33284616" y="23009343"/>
+            <a:ext cx="5732456" cy="2866228"/>
+          </a:xfrm>
+          <a:prstGeom prst="rect">
+            <a:avLst/>
+          </a:prstGeom>
+        </p:spPr>
+      </p:pic>
+      <p:sp>
+        <p:nvSpPr>
+          <p:cNvPr id="84" name="Rectangle 83">
+            <a:extLst>
+              <a:ext uri="{FF2B5EF4-FFF2-40B4-BE49-F238E27FC236}">
+                <a16:creationId xmlns:a16="http://schemas.microsoft.com/office/drawing/2014/main" id="{2A66F7FB-E8EE-4B44-BFF8-A719755A3F7A}"/>
+              </a:ext>
+            </a:extLst>
+          </p:cNvPr>
+          <p:cNvSpPr/>
+          <p:nvPr/>
+        </p:nvSpPr>
+        <p:spPr>
+          <a:xfrm>
+            <a:off x="33284616" y="23009340"/>
+            <a:ext cx="5749241" cy="2847737"/>
+          </a:xfrm>
+          <a:prstGeom prst="rect">
+            <a:avLst/>
+          </a:prstGeom>
+          <a:gradFill>
+            <a:gsLst>
+              <a:gs pos="0">
+                <a:schemeClr val="tx2">
+                  <a:lumMod val="60000"/>
+                  <a:lumOff val="40000"/>
+                  <a:alpha val="40000"/>
+                </a:schemeClr>
+              </a:gs>
+              <a:gs pos="100000">
+                <a:schemeClr val="bg1">
+                  <a:alpha val="15000"/>
+                </a:schemeClr>
+              </a:gs>
+            </a:gsLst>
+            <a:lin ang="18600000" scaled="0"/>
+          </a:gradFill>
+          <a:ln>
+            <a:noFill/>
+          </a:ln>
+        </p:spPr>
+        <p:style>
+          <a:lnRef idx="2">
+            <a:schemeClr val="accent1">
+              <a:shade val="50000"/>
+            </a:schemeClr>
+          </a:lnRef>
+          <a:fillRef idx="1">
+            <a:schemeClr val="accent1"/>
+          </a:fillRef>
+          <a:effectRef idx="0">
+            <a:schemeClr val="accent1"/>
+          </a:effectRef>
+          <a:fontRef idx="minor">
+            <a:schemeClr val="lt1"/>
+          </a:fontRef>
+        </p:style>
+        <p:txBody>
+          <a:bodyPr rtlCol="0" anchor="ctr"/>
+          <a:lstStyle/>
+          <a:p>
+            <a:pPr algn="ctr"/>
+            <a:endParaRPr lang="en-GB" dirty="0"/>
+          </a:p>
+        </p:txBody>
+      </p:sp>
+      <p:sp>
+        <p:nvSpPr>
+          <p:cNvPr id="85" name="TextBox 84">
+            <a:extLst>
+              <a:ext uri="{FF2B5EF4-FFF2-40B4-BE49-F238E27FC236}">
+                <a16:creationId xmlns:a16="http://schemas.microsoft.com/office/drawing/2014/main" id="{5E41E517-E103-4042-B793-3FE4F6E4F97D}"/>
+              </a:ext>
+            </a:extLst>
+          </p:cNvPr>
+          <p:cNvSpPr txBox="1"/>
+          <p:nvPr/>
+        </p:nvSpPr>
+        <p:spPr>
+          <a:xfrm>
+            <a:off x="33467693" y="23248270"/>
+            <a:ext cx="5383088" cy="2015936"/>
+          </a:xfrm>
+          <a:prstGeom prst="rect">
+            <a:avLst/>
+          </a:prstGeom>
+          <a:noFill/>
+        </p:spPr>
+        <p:txBody>
+          <a:bodyPr wrap="square" rtlCol="0">
+            <a:spAutoFit/>
+          </a:bodyPr>
+          <a:lstStyle/>
+          <a:p>
+            <a:r>
+              <a:rPr lang="en-GB" sz="3200" b="1" dirty="0">
+                <a:solidFill>
+                  <a:srgbClr val="435478"/>
+                </a:solidFill>
+                <a:latin typeface="Arial" panose="020B0604020202020204" pitchFamily="34" charset="0"/>
+                <a:cs typeface="Arial" panose="020B0604020202020204" pitchFamily="34" charset="0"/>
+              </a:rPr>
+              <a:t>Parkinson’s disease</a:t>
+            </a:r>
+          </a:p>
+          <a:p>
+            <a:endParaRPr lang="en-GB" sz="2200" dirty="0">
+              <a:solidFill>
+                <a:srgbClr val="435478"/>
+              </a:solidFill>
+              <a:latin typeface="Arial" panose="020B0604020202020204" pitchFamily="34" charset="0"/>
+              <a:cs typeface="Arial" panose="020B0604020202020204" pitchFamily="34" charset="0"/>
+            </a:endParaRPr>
+          </a:p>
+          <a:p>
+            <a:pPr>
+              <a:spcAft>
+                <a:spcPts val="600"/>
+              </a:spcAft>
+            </a:pPr>
+            <a:r>
+              <a:rPr lang="en-GB" sz="2200" dirty="0">
+                <a:solidFill>
+                  <a:srgbClr val="435478"/>
+                </a:solidFill>
+                <a:latin typeface="Arial" panose="020B0604020202020204" pitchFamily="34" charset="0"/>
+                <a:cs typeface="Arial" panose="020B0604020202020204" pitchFamily="34" charset="0"/>
+              </a:rPr>
+              <a:t>Resource: Parkinson’s Disease Map</a:t>
+            </a:r>
+          </a:p>
+          <a:p>
+            <a:r>
+              <a:rPr lang="en-GB" sz="2200" dirty="0">
+                <a:solidFill>
+                  <a:srgbClr val="435478"/>
+                </a:solidFill>
+                <a:latin typeface="Arial" panose="020B0604020202020204" pitchFamily="34" charset="0"/>
+                <a:cs typeface="Arial" panose="020B0604020202020204" pitchFamily="34" charset="0"/>
+              </a:rPr>
+              <a:t>Contact: Marek </a:t>
+            </a:r>
+            <a:r>
+              <a:rPr lang="en-GB" sz="2200" dirty="0" err="1">
+                <a:solidFill>
+                  <a:srgbClr val="435478"/>
+                </a:solidFill>
+                <a:latin typeface="Arial" panose="020B0604020202020204" pitchFamily="34" charset="0"/>
+                <a:cs typeface="Arial" panose="020B0604020202020204" pitchFamily="34" charset="0"/>
+              </a:rPr>
+              <a:t>Ostaszewski</a:t>
+            </a:r>
+            <a:r>
+              <a:rPr lang="en-GB" sz="2200" dirty="0">
+                <a:solidFill>
+                  <a:srgbClr val="435478"/>
+                </a:solidFill>
+                <a:latin typeface="Arial" panose="020B0604020202020204" pitchFamily="34" charset="0"/>
+                <a:cs typeface="Arial" panose="020B0604020202020204" pitchFamily="34" charset="0"/>
+              </a:rPr>
+              <a:t>, University of Luxembourg, </a:t>
+            </a:r>
+            <a:r>
+              <a:rPr lang="en-GB" sz="2200" dirty="0" err="1">
+                <a:solidFill>
+                  <a:srgbClr val="435478"/>
+                </a:solidFill>
+                <a:latin typeface="Arial" panose="020B0604020202020204" pitchFamily="34" charset="0"/>
+                <a:cs typeface="Arial" panose="020B0604020202020204" pitchFamily="34" charset="0"/>
+              </a:rPr>
+              <a:t>Belvaux</a:t>
+            </a:r>
+            <a:r>
+              <a:rPr lang="en-GB" sz="2200" dirty="0">
+                <a:solidFill>
+                  <a:srgbClr val="435478"/>
+                </a:solidFill>
+                <a:latin typeface="Arial" panose="020B0604020202020204" pitchFamily="34" charset="0"/>
+                <a:cs typeface="Arial" panose="020B0604020202020204" pitchFamily="34" charset="0"/>
+              </a:rPr>
+              <a:t>, Luxembourg</a:t>
+            </a:r>
+          </a:p>
+        </p:txBody>
+      </p:sp>
       <p:grpSp>
         <p:nvGrpSpPr>
-          <p:cNvPr id="77" name="Group 76">
+          <p:cNvPr id="8" name="Group 7">
             <a:extLst>
               <a:ext uri="{FF2B5EF4-FFF2-40B4-BE49-F238E27FC236}">
-                <a16:creationId xmlns:a16="http://schemas.microsoft.com/office/drawing/2014/main" id="{B052DDBA-2699-A14A-8B32-31FCB0533544}"/>
+                <a16:creationId xmlns:a16="http://schemas.microsoft.com/office/drawing/2014/main" id="{91502628-B81A-714D-8BCA-9F270BCBC283}"/>
               </a:ext>
             </a:extLst>
           </p:cNvPr>
@@ -3832,7 +4293,304 @@
         </p:nvGrpSpPr>
         <p:grpSpPr>
           <a:xfrm>
-            <a:off x="23601713" y="21440131"/>
+            <a:off x="16336330" y="19265666"/>
+            <a:ext cx="5767378" cy="2856983"/>
+            <a:chOff x="17248704" y="21458626"/>
+            <a:chExt cx="5767378" cy="2856983"/>
+          </a:xfrm>
+        </p:grpSpPr>
+        <p:sp>
+          <p:nvSpPr>
+            <p:cNvPr id="6" name="Rectangle 5">
+              <a:extLst>
+                <a:ext uri="{FF2B5EF4-FFF2-40B4-BE49-F238E27FC236}">
+                  <a16:creationId xmlns:a16="http://schemas.microsoft.com/office/drawing/2014/main" id="{630F7880-B85E-0342-8B34-E527BE0CF93F}"/>
+                </a:ext>
+              </a:extLst>
+            </p:cNvPr>
+            <p:cNvSpPr/>
+            <p:nvPr/>
+          </p:nvSpPr>
+          <p:spPr>
+            <a:xfrm>
+              <a:off x="17283626" y="21458626"/>
+              <a:ext cx="5732456" cy="2847736"/>
+            </a:xfrm>
+            <a:prstGeom prst="rect">
+              <a:avLst/>
+            </a:prstGeom>
+            <a:solidFill>
+              <a:srgbClr val="CCDCEB"/>
+            </a:solidFill>
+            <a:ln>
+              <a:noFill/>
+            </a:ln>
+          </p:spPr>
+          <p:style>
+            <a:lnRef idx="2">
+              <a:schemeClr val="accent1">
+                <a:shade val="50000"/>
+              </a:schemeClr>
+            </a:lnRef>
+            <a:fillRef idx="1">
+              <a:schemeClr val="accent1"/>
+            </a:fillRef>
+            <a:effectRef idx="0">
+              <a:schemeClr val="accent1"/>
+            </a:effectRef>
+            <a:fontRef idx="minor">
+              <a:schemeClr val="lt1"/>
+            </a:fontRef>
+          </p:style>
+          <p:txBody>
+            <a:bodyPr rtlCol="0" anchor="ctr"/>
+            <a:lstStyle/>
+            <a:p>
+              <a:pPr algn="ctr"/>
+              <a:endParaRPr lang="en-GB" dirty="0">
+                <a:solidFill>
+                  <a:schemeClr val="bg1"/>
+                </a:solidFill>
+              </a:endParaRPr>
+            </a:p>
+          </p:txBody>
+        </p:sp>
+        <p:pic>
+          <p:nvPicPr>
+            <p:cNvPr id="5" name="Picture 4">
+              <a:extLst>
+                <a:ext uri="{FF2B5EF4-FFF2-40B4-BE49-F238E27FC236}">
+                  <a16:creationId xmlns:a16="http://schemas.microsoft.com/office/drawing/2014/main" id="{E60EC17B-3430-574A-B79A-3DE3E5E400F1}"/>
+                </a:ext>
+              </a:extLst>
+            </p:cNvPr>
+            <p:cNvPicPr>
+              <a:picLocks noChangeAspect="1"/>
+            </p:cNvPicPr>
+            <p:nvPr/>
+          </p:nvPicPr>
+          <p:blipFill>
+            <a:blip r:embed="rId6"/>
+            <a:stretch>
+              <a:fillRect/>
+            </a:stretch>
+          </p:blipFill>
+          <p:spPr>
+            <a:xfrm>
+              <a:off x="20290681" y="22573569"/>
+              <a:ext cx="2637383" cy="1714299"/>
+            </a:xfrm>
+            <a:prstGeom prst="rect">
+              <a:avLst/>
+            </a:prstGeom>
+          </p:spPr>
+        </p:pic>
+        <p:sp>
+          <p:nvSpPr>
+            <p:cNvPr id="27" name="Rectangle 26">
+              <a:extLst>
+                <a:ext uri="{FF2B5EF4-FFF2-40B4-BE49-F238E27FC236}">
+                  <a16:creationId xmlns:a16="http://schemas.microsoft.com/office/drawing/2014/main" id="{523F623D-E6D6-B543-8F5A-AAB037E5A888}"/>
+                </a:ext>
+              </a:extLst>
+            </p:cNvPr>
+            <p:cNvSpPr/>
+            <p:nvPr/>
+          </p:nvSpPr>
+          <p:spPr>
+            <a:xfrm>
+              <a:off x="17248704" y="21467872"/>
+              <a:ext cx="5749241" cy="2847737"/>
+            </a:xfrm>
+            <a:prstGeom prst="rect">
+              <a:avLst/>
+            </a:prstGeom>
+            <a:gradFill flip="none" rotWithShape="1">
+              <a:gsLst>
+                <a:gs pos="0">
+                  <a:srgbClr val="415172">
+                    <a:alpha val="79000"/>
+                  </a:srgbClr>
+                </a:gs>
+                <a:gs pos="100000">
+                  <a:schemeClr val="bg1">
+                    <a:lumMod val="75000"/>
+                    <a:alpha val="21000"/>
+                  </a:schemeClr>
+                </a:gs>
+              </a:gsLst>
+              <a:lin ang="0" scaled="0"/>
+              <a:tileRect/>
+            </a:gradFill>
+            <a:ln>
+              <a:noFill/>
+            </a:ln>
+          </p:spPr>
+          <p:style>
+            <a:lnRef idx="2">
+              <a:schemeClr val="accent1">
+                <a:shade val="50000"/>
+              </a:schemeClr>
+            </a:lnRef>
+            <a:fillRef idx="1">
+              <a:schemeClr val="accent1"/>
+            </a:fillRef>
+            <a:effectRef idx="0">
+              <a:schemeClr val="accent1"/>
+            </a:effectRef>
+            <a:fontRef idx="minor">
+              <a:schemeClr val="lt1"/>
+            </a:fontRef>
+          </p:style>
+          <p:txBody>
+            <a:bodyPr rtlCol="0" anchor="ctr"/>
+            <a:lstStyle/>
+            <a:p>
+              <a:pPr algn="ctr"/>
+              <a:endParaRPr lang="en-GB" dirty="0"/>
+            </a:p>
+          </p:txBody>
+        </p:sp>
+        <p:sp>
+          <p:nvSpPr>
+            <p:cNvPr id="25" name="TextBox 24">
+              <a:extLst>
+                <a:ext uri="{FF2B5EF4-FFF2-40B4-BE49-F238E27FC236}">
+                  <a16:creationId xmlns:a16="http://schemas.microsoft.com/office/drawing/2014/main" id="{32A11009-C165-E14C-B768-4DBF74022E8D}"/>
+                </a:ext>
+              </a:extLst>
+            </p:cNvPr>
+            <p:cNvSpPr txBox="1"/>
+            <p:nvPr/>
+          </p:nvSpPr>
+          <p:spPr>
+            <a:xfrm>
+              <a:off x="17475095" y="21705248"/>
+              <a:ext cx="5383088" cy="2354491"/>
+            </a:xfrm>
+            <a:prstGeom prst="rect">
+              <a:avLst/>
+            </a:prstGeom>
+            <a:noFill/>
+          </p:spPr>
+          <p:txBody>
+            <a:bodyPr wrap="square" rtlCol="0">
+              <a:spAutoFit/>
+            </a:bodyPr>
+            <a:lstStyle/>
+            <a:p>
+              <a:r>
+                <a:rPr lang="en-GB" sz="3200" b="1" dirty="0">
+                  <a:solidFill>
+                    <a:schemeClr val="bg1"/>
+                  </a:solidFill>
+                  <a:latin typeface="Arial" panose="020B0604020202020204" pitchFamily="34" charset="0"/>
+                  <a:cs typeface="Arial" panose="020B0604020202020204" pitchFamily="34" charset="0"/>
+                </a:rPr>
+                <a:t>Cancer</a:t>
+              </a:r>
+            </a:p>
+            <a:p>
+              <a:endParaRPr lang="en-GB" sz="2200" dirty="0">
+                <a:solidFill>
+                  <a:schemeClr val="bg1"/>
+                </a:solidFill>
+                <a:latin typeface="Arial" panose="020B0604020202020204" pitchFamily="34" charset="0"/>
+                <a:cs typeface="Arial" panose="020B0604020202020204" pitchFamily="34" charset="0"/>
+              </a:endParaRPr>
+            </a:p>
+            <a:p>
+              <a:pPr>
+                <a:spcAft>
+                  <a:spcPts val="600"/>
+                </a:spcAft>
+              </a:pPr>
+              <a:r>
+                <a:rPr lang="en-GB" sz="2200" dirty="0">
+                  <a:solidFill>
+                    <a:schemeClr val="bg1"/>
+                  </a:solidFill>
+                  <a:latin typeface="Arial" panose="020B0604020202020204" pitchFamily="34" charset="0"/>
+                  <a:cs typeface="Arial" panose="020B0604020202020204" pitchFamily="34" charset="0"/>
+                </a:rPr>
+                <a:t>Resource: Atlas of Cancer Signalling Network </a:t>
+              </a:r>
+            </a:p>
+            <a:p>
+              <a:pPr>
+                <a:spcAft>
+                  <a:spcPts val="600"/>
+                </a:spcAft>
+              </a:pPr>
+              <a:r>
+                <a:rPr lang="en-GB" sz="2200" dirty="0">
+                  <a:solidFill>
+                    <a:schemeClr val="bg1"/>
+                  </a:solidFill>
+                  <a:latin typeface="Arial" panose="020B0604020202020204" pitchFamily="34" charset="0"/>
+                  <a:cs typeface="Arial" panose="020B0604020202020204" pitchFamily="34" charset="0"/>
+                </a:rPr>
+                <a:t>Contact: Inna </a:t>
+              </a:r>
+              <a:r>
+                <a:rPr lang="en-GB" sz="2200" dirty="0" err="1">
+                  <a:solidFill>
+                    <a:schemeClr val="bg1"/>
+                  </a:solidFill>
+                  <a:latin typeface="Arial" panose="020B0604020202020204" pitchFamily="34" charset="0"/>
+                  <a:cs typeface="Arial" panose="020B0604020202020204" pitchFamily="34" charset="0"/>
+                </a:rPr>
+                <a:t>Kuperstein</a:t>
+              </a:r>
+              <a:r>
+                <a:rPr lang="en-GB" sz="2200" dirty="0">
+                  <a:solidFill>
+                    <a:schemeClr val="bg1"/>
+                  </a:solidFill>
+                  <a:latin typeface="Arial" panose="020B0604020202020204" pitchFamily="34" charset="0"/>
+                  <a:cs typeface="Arial" panose="020B0604020202020204" pitchFamily="34" charset="0"/>
+                </a:rPr>
+                <a:t>, </a:t>
+              </a:r>
+              <a:r>
+                <a:rPr lang="en-GB" sz="2200" dirty="0" err="1">
+                  <a:solidFill>
+                    <a:schemeClr val="bg1"/>
+                  </a:solidFill>
+                  <a:latin typeface="Arial" panose="020B0604020202020204" pitchFamily="34" charset="0"/>
+                  <a:cs typeface="Arial" panose="020B0604020202020204" pitchFamily="34" charset="0"/>
+                </a:rPr>
+                <a:t>Institut</a:t>
+              </a:r>
+              <a:r>
+                <a:rPr lang="en-GB" sz="2200" dirty="0">
+                  <a:solidFill>
+                    <a:schemeClr val="bg1"/>
+                  </a:solidFill>
+                  <a:latin typeface="Arial" panose="020B0604020202020204" pitchFamily="34" charset="0"/>
+                  <a:cs typeface="Arial" panose="020B0604020202020204" pitchFamily="34" charset="0"/>
+                </a:rPr>
+                <a:t> Curie, Paris, France</a:t>
+              </a:r>
+            </a:p>
+          </p:txBody>
+        </p:sp>
+      </p:grpSp>
+      <p:grpSp>
+        <p:nvGrpSpPr>
+          <p:cNvPr id="28" name="Group 27">
+            <a:extLst>
+              <a:ext uri="{FF2B5EF4-FFF2-40B4-BE49-F238E27FC236}">
+                <a16:creationId xmlns:a16="http://schemas.microsoft.com/office/drawing/2014/main" id="{7D782AE4-78E0-5144-9782-2EAF7CC1A3D0}"/>
+              </a:ext>
+            </a:extLst>
+          </p:cNvPr>
+          <p:cNvGrpSpPr/>
+          <p:nvPr/>
+        </p:nvGrpSpPr>
+        <p:grpSpPr>
+          <a:xfrm>
+            <a:off x="17300412" y="24777326"/>
             <a:ext cx="5749241" cy="2866231"/>
             <a:chOff x="33276224" y="19225845"/>
             <a:chExt cx="5749241" cy="2866231"/>
@@ -3840,10 +4598,10 @@
         </p:grpSpPr>
         <p:pic>
           <p:nvPicPr>
-            <p:cNvPr id="68" name="Picture 67">
+            <p:cNvPr id="29" name="Picture 28">
               <a:extLst>
                 <a:ext uri="{FF2B5EF4-FFF2-40B4-BE49-F238E27FC236}">
-                  <a16:creationId xmlns:a16="http://schemas.microsoft.com/office/drawing/2014/main" id="{77BC7BDE-97EB-BC49-96A7-DE5327FD62D0}"/>
+                  <a16:creationId xmlns:a16="http://schemas.microsoft.com/office/drawing/2014/main" id="{F392C27F-60F9-7946-9CA3-0E2F8365EC71}"/>
                 </a:ext>
               </a:extLst>
             </p:cNvPr>
@@ -3870,10 +4628,10 @@
         </p:pic>
         <p:sp>
           <p:nvSpPr>
-            <p:cNvPr id="65" name="Rectangle 64">
+            <p:cNvPr id="30" name="Rectangle 29">
               <a:extLst>
                 <a:ext uri="{FF2B5EF4-FFF2-40B4-BE49-F238E27FC236}">
-                  <a16:creationId xmlns:a16="http://schemas.microsoft.com/office/drawing/2014/main" id="{12080B17-679E-5B40-96C2-70683C643636}"/>
+                  <a16:creationId xmlns:a16="http://schemas.microsoft.com/office/drawing/2014/main" id="{1909EEE7-0C9F-104B-AAE9-E5D50A0ED43F}"/>
                 </a:ext>
               </a:extLst>
             </p:cNvPr>
@@ -3937,10 +4695,10 @@
         </p:sp>
         <p:sp>
           <p:nvSpPr>
-            <p:cNvPr id="66" name="TextBox 65">
+            <p:cNvPr id="31" name="TextBox 30">
               <a:extLst>
                 <a:ext uri="{FF2B5EF4-FFF2-40B4-BE49-F238E27FC236}">
-                  <a16:creationId xmlns:a16="http://schemas.microsoft.com/office/drawing/2014/main" id="{F7B6383C-062F-4D48-A2FA-51826A7ADD18}"/>
+                  <a16:creationId xmlns:a16="http://schemas.microsoft.com/office/drawing/2014/main" id="{6FC40D96-895C-C148-BF89-A3F93F42514D}"/>
                 </a:ext>
               </a:extLst>
             </p:cNvPr>
@@ -4055,257 +4813,12 @@
           </p:txBody>
         </p:sp>
       </p:grpSp>
-      <p:pic>
-        <p:nvPicPr>
-          <p:cNvPr id="67" name="Picture 66">
+      <p:grpSp>
+        <p:nvGrpSpPr>
+          <p:cNvPr id="32" name="Group 31">
             <a:extLst>
               <a:ext uri="{FF2B5EF4-FFF2-40B4-BE49-F238E27FC236}">
-                <a16:creationId xmlns:a16="http://schemas.microsoft.com/office/drawing/2014/main" id="{712CB348-8DC9-504F-B558-AF58C7389509}"/>
-              </a:ext>
-            </a:extLst>
-          </p:cNvPr>
-          <p:cNvPicPr>
-            <a:picLocks noChangeAspect="1"/>
-          </p:cNvPicPr>
-          <p:nvPr/>
-        </p:nvPicPr>
-        <p:blipFill>
-          <a:blip r:embed="rId5"/>
-          <a:stretch>
-            <a:fillRect/>
-          </a:stretch>
-        </p:blipFill>
-        <p:spPr>
-          <a:xfrm>
-            <a:off x="33293009" y="15545247"/>
-            <a:ext cx="5732456" cy="2866228"/>
-          </a:xfrm>
-          <a:prstGeom prst="rect">
-            <a:avLst/>
-          </a:prstGeom>
-        </p:spPr>
-      </p:pic>
-      <p:pic>
-        <p:nvPicPr>
-          <p:cNvPr id="83" name="Picture 82">
-            <a:extLst>
-              <a:ext uri="{FF2B5EF4-FFF2-40B4-BE49-F238E27FC236}">
-                <a16:creationId xmlns:a16="http://schemas.microsoft.com/office/drawing/2014/main" id="{ACD6C50D-07C9-E346-900B-997CAE2376D7}"/>
-              </a:ext>
-            </a:extLst>
-          </p:cNvPr>
-          <p:cNvPicPr>
-            <a:picLocks noChangeAspect="1"/>
-          </p:cNvPicPr>
-          <p:nvPr/>
-        </p:nvPicPr>
-        <p:blipFill>
-          <a:blip r:embed="rId5"/>
-          <a:stretch>
-            <a:fillRect/>
-          </a:stretch>
-        </p:blipFill>
-        <p:spPr>
-          <a:xfrm>
-            <a:off x="33284616" y="23009343"/>
-            <a:ext cx="5732456" cy="2866228"/>
-          </a:xfrm>
-          <a:prstGeom prst="rect">
-            <a:avLst/>
-          </a:prstGeom>
-        </p:spPr>
-      </p:pic>
-      <p:sp>
-        <p:nvSpPr>
-          <p:cNvPr id="84" name="Rectangle 83">
-            <a:extLst>
-              <a:ext uri="{FF2B5EF4-FFF2-40B4-BE49-F238E27FC236}">
-                <a16:creationId xmlns:a16="http://schemas.microsoft.com/office/drawing/2014/main" id="{2A66F7FB-E8EE-4B44-BFF8-A719755A3F7A}"/>
-              </a:ext>
-            </a:extLst>
-          </p:cNvPr>
-          <p:cNvSpPr/>
-          <p:nvPr/>
-        </p:nvSpPr>
-        <p:spPr>
-          <a:xfrm>
-            <a:off x="33284616" y="23009340"/>
-            <a:ext cx="5749241" cy="2847737"/>
-          </a:xfrm>
-          <a:prstGeom prst="rect">
-            <a:avLst/>
-          </a:prstGeom>
-          <a:gradFill>
-            <a:gsLst>
-              <a:gs pos="0">
-                <a:schemeClr val="tx2">
-                  <a:lumMod val="60000"/>
-                  <a:lumOff val="40000"/>
-                  <a:alpha val="40000"/>
-                </a:schemeClr>
-              </a:gs>
-              <a:gs pos="100000">
-                <a:schemeClr val="bg1">
-                  <a:alpha val="15000"/>
-                </a:schemeClr>
-              </a:gs>
-            </a:gsLst>
-            <a:lin ang="18600000" scaled="0"/>
-          </a:gradFill>
-          <a:ln>
-            <a:noFill/>
-          </a:ln>
-        </p:spPr>
-        <p:style>
-          <a:lnRef idx="2">
-            <a:schemeClr val="accent1">
-              <a:shade val="50000"/>
-            </a:schemeClr>
-          </a:lnRef>
-          <a:fillRef idx="1">
-            <a:schemeClr val="accent1"/>
-          </a:fillRef>
-          <a:effectRef idx="0">
-            <a:schemeClr val="accent1"/>
-          </a:effectRef>
-          <a:fontRef idx="minor">
-            <a:schemeClr val="lt1"/>
-          </a:fontRef>
-        </p:style>
-        <p:txBody>
-          <a:bodyPr rtlCol="0" anchor="ctr"/>
-          <a:lstStyle/>
-          <a:p>
-            <a:pPr algn="ctr"/>
-            <a:endParaRPr lang="en-GB" dirty="0"/>
-          </a:p>
-        </p:txBody>
-      </p:sp>
-      <p:sp>
-        <p:nvSpPr>
-          <p:cNvPr id="85" name="TextBox 84">
-            <a:extLst>
-              <a:ext uri="{FF2B5EF4-FFF2-40B4-BE49-F238E27FC236}">
-                <a16:creationId xmlns:a16="http://schemas.microsoft.com/office/drawing/2014/main" id="{5E41E517-E103-4042-B793-3FE4F6E4F97D}"/>
-              </a:ext>
-            </a:extLst>
-          </p:cNvPr>
-          <p:cNvSpPr txBox="1"/>
-          <p:nvPr/>
-        </p:nvSpPr>
-        <p:spPr>
-          <a:xfrm>
-            <a:off x="33467693" y="23248270"/>
-            <a:ext cx="5383088" cy="2015936"/>
-          </a:xfrm>
-          <a:prstGeom prst="rect">
-            <a:avLst/>
-          </a:prstGeom>
-          <a:noFill/>
-        </p:spPr>
-        <p:txBody>
-          <a:bodyPr wrap="square" rtlCol="0">
-            <a:spAutoFit/>
-          </a:bodyPr>
-          <a:lstStyle/>
-          <a:p>
-            <a:r>
-              <a:rPr lang="en-GB" sz="3200" b="1" dirty="0">
-                <a:solidFill>
-                  <a:srgbClr val="435478"/>
-                </a:solidFill>
-                <a:latin typeface="Arial" panose="020B0604020202020204" pitchFamily="34" charset="0"/>
-                <a:cs typeface="Arial" panose="020B0604020202020204" pitchFamily="34" charset="0"/>
-              </a:rPr>
-              <a:t>Parkinson’s disease</a:t>
-            </a:r>
-          </a:p>
-          <a:p>
-            <a:endParaRPr lang="en-GB" sz="2200" dirty="0">
-              <a:solidFill>
-                <a:srgbClr val="435478"/>
-              </a:solidFill>
-              <a:latin typeface="Arial" panose="020B0604020202020204" pitchFamily="34" charset="0"/>
-              <a:cs typeface="Arial" panose="020B0604020202020204" pitchFamily="34" charset="0"/>
-            </a:endParaRPr>
-          </a:p>
-          <a:p>
-            <a:pPr>
-              <a:spcAft>
-                <a:spcPts val="600"/>
-              </a:spcAft>
-            </a:pPr>
-            <a:r>
-              <a:rPr lang="en-GB" sz="2200" dirty="0">
-                <a:solidFill>
-                  <a:srgbClr val="435478"/>
-                </a:solidFill>
-                <a:latin typeface="Arial" panose="020B0604020202020204" pitchFamily="34" charset="0"/>
-                <a:cs typeface="Arial" panose="020B0604020202020204" pitchFamily="34" charset="0"/>
-              </a:rPr>
-              <a:t>Resource: Parkinson’s Disease Map</a:t>
-            </a:r>
-          </a:p>
-          <a:p>
-            <a:r>
-              <a:rPr lang="en-GB" sz="2200" dirty="0">
-                <a:solidFill>
-                  <a:srgbClr val="435478"/>
-                </a:solidFill>
-                <a:latin typeface="Arial" panose="020B0604020202020204" pitchFamily="34" charset="0"/>
-                <a:cs typeface="Arial" panose="020B0604020202020204" pitchFamily="34" charset="0"/>
-              </a:rPr>
-              <a:t>Contact: Marek </a:t>
-            </a:r>
-            <a:r>
-              <a:rPr lang="en-GB" sz="2200" dirty="0" err="1">
-                <a:solidFill>
-                  <a:srgbClr val="435478"/>
-                </a:solidFill>
-                <a:latin typeface="Arial" panose="020B0604020202020204" pitchFamily="34" charset="0"/>
-                <a:cs typeface="Arial" panose="020B0604020202020204" pitchFamily="34" charset="0"/>
-              </a:rPr>
-              <a:t>Ostaszewski</a:t>
-            </a:r>
-            <a:r>
-              <a:rPr lang="en-GB" sz="2200" dirty="0">
-                <a:solidFill>
-                  <a:srgbClr val="435478"/>
-                </a:solidFill>
-                <a:latin typeface="Arial" panose="020B0604020202020204" pitchFamily="34" charset="0"/>
-                <a:cs typeface="Arial" panose="020B0604020202020204" pitchFamily="34" charset="0"/>
-              </a:rPr>
-              <a:t>, University of Luxembourg, </a:t>
-            </a:r>
-            <a:r>
-              <a:rPr lang="en-GB" sz="2200" dirty="0" err="1">
-                <a:solidFill>
-                  <a:srgbClr val="435478"/>
-                </a:solidFill>
-                <a:latin typeface="Arial" panose="020B0604020202020204" pitchFamily="34" charset="0"/>
-                <a:cs typeface="Arial" panose="020B0604020202020204" pitchFamily="34" charset="0"/>
-              </a:rPr>
-              <a:t>Belvaux</a:t>
-            </a:r>
-            <a:r>
-              <a:rPr lang="en-GB" sz="2200" dirty="0">
-                <a:solidFill>
-                  <a:srgbClr val="435478"/>
-                </a:solidFill>
-                <a:latin typeface="Arial" panose="020B0604020202020204" pitchFamily="34" charset="0"/>
-                <a:cs typeface="Arial" panose="020B0604020202020204" pitchFamily="34" charset="0"/>
-              </a:rPr>
-              <a:t>, Luxembourg</a:t>
-            </a:r>
-          </a:p>
-        </p:txBody>
-      </p:sp>
-      <p:grpSp>
-        <p:nvGrpSpPr>
-          <p:cNvPr id="7" name="Group 6">
-            <a:extLst>
-              <a:ext uri="{FF2B5EF4-FFF2-40B4-BE49-F238E27FC236}">
-                <a16:creationId xmlns:a16="http://schemas.microsoft.com/office/drawing/2014/main" id="{83D8A4B0-7D99-E545-8031-A5B7596D10BE}"/>
+                <a16:creationId xmlns:a16="http://schemas.microsoft.com/office/drawing/2014/main" id="{86425207-1C5C-0C41-BC4C-32982CE83EBA}"/>
               </a:ext>
             </a:extLst>
           </p:cNvPr>
@@ -4314,7 +4827,7 @@
         </p:nvGrpSpPr>
         <p:grpSpPr>
           <a:xfrm>
-            <a:off x="17283627" y="21446972"/>
+            <a:off x="30593072" y="27109137"/>
             <a:ext cx="5749241" cy="2847738"/>
             <a:chOff x="23199160" y="15645802"/>
             <a:chExt cx="5749241" cy="2847738"/>
@@ -4322,10 +4835,10 @@
         </p:grpSpPr>
         <p:sp>
           <p:nvSpPr>
-            <p:cNvPr id="6" name="Rectangle 5">
+            <p:cNvPr id="33" name="Rectangle 32">
               <a:extLst>
                 <a:ext uri="{FF2B5EF4-FFF2-40B4-BE49-F238E27FC236}">
-                  <a16:creationId xmlns:a16="http://schemas.microsoft.com/office/drawing/2014/main" id="{630F7880-B85E-0342-8B34-E527BE0CF93F}"/>
+                  <a16:creationId xmlns:a16="http://schemas.microsoft.com/office/drawing/2014/main" id="{9B49C5EB-B4B6-1B41-895F-2ADF1CBB6618}"/>
                 </a:ext>
               </a:extLst>
             </p:cNvPr>
@@ -4378,10 +4891,10 @@
         </p:sp>
         <p:pic>
           <p:nvPicPr>
-            <p:cNvPr id="5" name="Picture 4">
+            <p:cNvPr id="34" name="Picture 33">
               <a:extLst>
                 <a:ext uri="{FF2B5EF4-FFF2-40B4-BE49-F238E27FC236}">
-                  <a16:creationId xmlns:a16="http://schemas.microsoft.com/office/drawing/2014/main" id="{E60EC17B-3430-574A-B79A-3DE3E5E400F1}"/>
+                  <a16:creationId xmlns:a16="http://schemas.microsoft.com/office/drawing/2014/main" id="{5730CD34-2251-B540-A811-AE9B440DA238}"/>
                 </a:ext>
               </a:extLst>
             </p:cNvPr>
@@ -4408,10 +4921,10 @@
         </p:pic>
         <p:sp>
           <p:nvSpPr>
-            <p:cNvPr id="27" name="Rectangle 26">
+            <p:cNvPr id="35" name="Rectangle 34">
               <a:extLst>
                 <a:ext uri="{FF2B5EF4-FFF2-40B4-BE49-F238E27FC236}">
-                  <a16:creationId xmlns:a16="http://schemas.microsoft.com/office/drawing/2014/main" id="{523F623D-E6D6-B543-8F5A-AAB037E5A888}"/>
+                  <a16:creationId xmlns:a16="http://schemas.microsoft.com/office/drawing/2014/main" id="{C4F97CBC-F7C9-4A44-8414-81B69EBB7AF5}"/>
                 </a:ext>
               </a:extLst>
             </p:cNvPr>
@@ -4475,10 +4988,10 @@
         </p:sp>
         <p:sp>
           <p:nvSpPr>
-            <p:cNvPr id="25" name="TextBox 24">
+            <p:cNvPr id="36" name="TextBox 35">
               <a:extLst>
                 <a:ext uri="{FF2B5EF4-FFF2-40B4-BE49-F238E27FC236}">
-                  <a16:creationId xmlns:a16="http://schemas.microsoft.com/office/drawing/2014/main" id="{32A11009-C165-E14C-B768-4DBF74022E8D}"/>
+                  <a16:creationId xmlns:a16="http://schemas.microsoft.com/office/drawing/2014/main" id="{6EB0904A-F776-DE42-9595-63301AEE9D7B}"/>
                 </a:ext>
               </a:extLst>
             </p:cNvPr>
@@ -4598,6 +5111,308 @@
           </p:txBody>
         </p:sp>
       </p:grpSp>
+      <p:grpSp>
+        <p:nvGrpSpPr>
+          <p:cNvPr id="2" name="Group 1">
+            <a:extLst>
+              <a:ext uri="{FF2B5EF4-FFF2-40B4-BE49-F238E27FC236}">
+                <a16:creationId xmlns:a16="http://schemas.microsoft.com/office/drawing/2014/main" id="{349E781B-F8CD-D043-B40F-E05D1D805BB4}"/>
+              </a:ext>
+            </a:extLst>
+          </p:cNvPr>
+          <p:cNvGrpSpPr/>
+          <p:nvPr/>
+        </p:nvGrpSpPr>
+        <p:grpSpPr>
+          <a:xfrm>
+            <a:off x="10212090" y="19265666"/>
+            <a:ext cx="5740849" cy="2866229"/>
+            <a:chOff x="10041603" y="22016098"/>
+            <a:chExt cx="5740849" cy="2866229"/>
+          </a:xfrm>
+        </p:grpSpPr>
+        <p:pic>
+          <p:nvPicPr>
+            <p:cNvPr id="39" name="Picture 38">
+              <a:extLst>
+                <a:ext uri="{FF2B5EF4-FFF2-40B4-BE49-F238E27FC236}">
+                  <a16:creationId xmlns:a16="http://schemas.microsoft.com/office/drawing/2014/main" id="{3E207775-BE5B-E049-BFBE-1EE24A3EF0F8}"/>
+                </a:ext>
+              </a:extLst>
+            </p:cNvPr>
+            <p:cNvPicPr>
+              <a:picLocks noChangeAspect="1"/>
+            </p:cNvPicPr>
+            <p:nvPr/>
+          </p:nvPicPr>
+          <p:blipFill>
+            <a:blip r:embed="rId5"/>
+            <a:stretch>
+              <a:fillRect/>
+            </a:stretch>
+          </p:blipFill>
+          <p:spPr>
+            <a:xfrm>
+              <a:off x="10041603" y="22016098"/>
+              <a:ext cx="5732456" cy="2866228"/>
+            </a:xfrm>
+            <a:prstGeom prst="rect">
+              <a:avLst/>
+            </a:prstGeom>
+          </p:spPr>
+        </p:pic>
+        <p:sp>
+          <p:nvSpPr>
+            <p:cNvPr id="37" name="Rectangle 36">
+              <a:extLst>
+                <a:ext uri="{FF2B5EF4-FFF2-40B4-BE49-F238E27FC236}">
+                  <a16:creationId xmlns:a16="http://schemas.microsoft.com/office/drawing/2014/main" id="{997FA0D4-F84B-704A-BEF1-D15E84864064}"/>
+                </a:ext>
+              </a:extLst>
+            </p:cNvPr>
+            <p:cNvSpPr/>
+            <p:nvPr/>
+          </p:nvSpPr>
+          <p:spPr>
+            <a:xfrm>
+              <a:off x="10049995" y="22016099"/>
+              <a:ext cx="5732457" cy="2866228"/>
+            </a:xfrm>
+            <a:prstGeom prst="rect">
+              <a:avLst/>
+            </a:prstGeom>
+            <a:gradFill flip="none" rotWithShape="1">
+              <a:gsLst>
+                <a:gs pos="7000">
+                  <a:srgbClr val="415172">
+                    <a:alpha val="79000"/>
+                  </a:srgbClr>
+                </a:gs>
+                <a:gs pos="100000">
+                  <a:schemeClr val="bg1">
+                    <a:lumMod val="75000"/>
+                    <a:alpha val="21000"/>
+                  </a:schemeClr>
+                </a:gs>
+              </a:gsLst>
+              <a:lin ang="0" scaled="0"/>
+              <a:tileRect/>
+            </a:gradFill>
+            <a:ln>
+              <a:noFill/>
+            </a:ln>
+          </p:spPr>
+          <p:style>
+            <a:lnRef idx="2">
+              <a:schemeClr val="accent1">
+                <a:shade val="50000"/>
+              </a:schemeClr>
+            </a:lnRef>
+            <a:fillRef idx="1">
+              <a:schemeClr val="accent1"/>
+            </a:fillRef>
+            <a:effectRef idx="0">
+              <a:schemeClr val="accent1"/>
+            </a:effectRef>
+            <a:fontRef idx="minor">
+              <a:schemeClr val="lt1"/>
+            </a:fontRef>
+          </p:style>
+          <p:txBody>
+            <a:bodyPr rtlCol="0" anchor="ctr"/>
+            <a:lstStyle/>
+            <a:p>
+              <a:pPr algn="ctr"/>
+              <a:endParaRPr lang="en-GB" dirty="0"/>
+            </a:p>
+          </p:txBody>
+        </p:sp>
+        <p:sp>
+          <p:nvSpPr>
+            <p:cNvPr id="41" name="TextBox 40">
+              <a:extLst>
+                <a:ext uri="{FF2B5EF4-FFF2-40B4-BE49-F238E27FC236}">
+                  <a16:creationId xmlns:a16="http://schemas.microsoft.com/office/drawing/2014/main" id="{9B0DB732-F962-0E41-852E-698EEF0AB079}"/>
+                </a:ext>
+              </a:extLst>
+            </p:cNvPr>
+            <p:cNvSpPr txBox="1"/>
+            <p:nvPr/>
+          </p:nvSpPr>
+          <p:spPr>
+            <a:xfrm>
+              <a:off x="10224680" y="22255025"/>
+              <a:ext cx="5383088" cy="2092881"/>
+            </a:xfrm>
+            <a:prstGeom prst="rect">
+              <a:avLst/>
+            </a:prstGeom>
+            <a:noFill/>
+          </p:spPr>
+          <p:txBody>
+            <a:bodyPr wrap="square" rtlCol="0">
+              <a:spAutoFit/>
+            </a:bodyPr>
+            <a:lstStyle/>
+            <a:p>
+              <a:r>
+                <a:rPr lang="en-GB" sz="3200" b="1" dirty="0">
+                  <a:solidFill>
+                    <a:schemeClr val="bg1"/>
+                  </a:solidFill>
+                  <a:latin typeface="Arial" panose="020B0604020202020204" pitchFamily="34" charset="0"/>
+                  <a:cs typeface="Arial" panose="020B0604020202020204" pitchFamily="34" charset="0"/>
+                </a:rPr>
+                <a:t>Parkinson’s disease</a:t>
+              </a:r>
+            </a:p>
+            <a:p>
+              <a:endParaRPr lang="en-GB" sz="2200" dirty="0">
+                <a:solidFill>
+                  <a:schemeClr val="bg1"/>
+                </a:solidFill>
+                <a:latin typeface="Arial" panose="020B0604020202020204" pitchFamily="34" charset="0"/>
+                <a:cs typeface="Arial" panose="020B0604020202020204" pitchFamily="34" charset="0"/>
+              </a:endParaRPr>
+            </a:p>
+            <a:p>
+              <a:pPr>
+                <a:spcAft>
+                  <a:spcPts val="600"/>
+                </a:spcAft>
+              </a:pPr>
+              <a:r>
+                <a:rPr lang="en-GB" sz="2200" dirty="0">
+                  <a:solidFill>
+                    <a:schemeClr val="bg1"/>
+                  </a:solidFill>
+                  <a:latin typeface="Arial" panose="020B0604020202020204" pitchFamily="34" charset="0"/>
+                  <a:cs typeface="Arial" panose="020B0604020202020204" pitchFamily="34" charset="0"/>
+                </a:rPr>
+                <a:t>Resource: Parkinson’s Disease Map</a:t>
+              </a:r>
+            </a:p>
+            <a:p>
+              <a:r>
+                <a:rPr lang="en-GB" sz="2200" dirty="0">
+                  <a:solidFill>
+                    <a:schemeClr val="bg1"/>
+                  </a:solidFill>
+                  <a:latin typeface="Arial" panose="020B0604020202020204" pitchFamily="34" charset="0"/>
+                  <a:cs typeface="Arial" panose="020B0604020202020204" pitchFamily="34" charset="0"/>
+                </a:rPr>
+                <a:t>Contact: Marek </a:t>
+              </a:r>
+              <a:r>
+                <a:rPr lang="en-GB" sz="2200" dirty="0" err="1">
+                  <a:solidFill>
+                    <a:schemeClr val="bg1"/>
+                  </a:solidFill>
+                  <a:latin typeface="Arial" panose="020B0604020202020204" pitchFamily="34" charset="0"/>
+                  <a:cs typeface="Arial" panose="020B0604020202020204" pitchFamily="34" charset="0"/>
+                </a:rPr>
+                <a:t>Ostaszewski</a:t>
+              </a:r>
+              <a:r>
+                <a:rPr lang="en-GB" sz="2200" dirty="0">
+                  <a:solidFill>
+                    <a:schemeClr val="bg1"/>
+                  </a:solidFill>
+                  <a:latin typeface="Arial" panose="020B0604020202020204" pitchFamily="34" charset="0"/>
+                  <a:cs typeface="Arial" panose="020B0604020202020204" pitchFamily="34" charset="0"/>
+                </a:rPr>
+                <a:t>, University of Luxembourg, </a:t>
+              </a:r>
+              <a:r>
+                <a:rPr lang="en-GB" sz="2200" dirty="0" err="1">
+                  <a:solidFill>
+                    <a:schemeClr val="bg1"/>
+                  </a:solidFill>
+                  <a:latin typeface="Arial" panose="020B0604020202020204" pitchFamily="34" charset="0"/>
+                  <a:cs typeface="Arial" panose="020B0604020202020204" pitchFamily="34" charset="0"/>
+                </a:rPr>
+                <a:t>Belvaux</a:t>
+              </a:r>
+              <a:r>
+                <a:rPr lang="en-GB" sz="2200" dirty="0">
+                  <a:solidFill>
+                    <a:schemeClr val="bg1"/>
+                  </a:solidFill>
+                  <a:latin typeface="Arial" panose="020B0604020202020204" pitchFamily="34" charset="0"/>
+                  <a:cs typeface="Arial" panose="020B0604020202020204" pitchFamily="34" charset="0"/>
+                </a:rPr>
+                <a:t>, Luxembourg</a:t>
+              </a:r>
+            </a:p>
+          </p:txBody>
+        </p:sp>
+      </p:grpSp>
+      <p:sp>
+        <p:nvSpPr>
+          <p:cNvPr id="42" name="Rectangle 41">
+            <a:extLst>
+              <a:ext uri="{FF2B5EF4-FFF2-40B4-BE49-F238E27FC236}">
+                <a16:creationId xmlns:a16="http://schemas.microsoft.com/office/drawing/2014/main" id="{4BE9E9D4-1015-024F-9DF6-83FC9401AC91}"/>
+              </a:ext>
+            </a:extLst>
+          </p:cNvPr>
+          <p:cNvSpPr/>
+          <p:nvPr/>
+        </p:nvSpPr>
+        <p:spPr>
+          <a:xfrm>
+            <a:off x="23583744" y="18076468"/>
+            <a:ext cx="5749241" cy="2847737"/>
+          </a:xfrm>
+          <a:prstGeom prst="rect">
+            <a:avLst/>
+          </a:prstGeom>
+          <a:gradFill flip="none" rotWithShape="1">
+            <a:gsLst>
+              <a:gs pos="0">
+                <a:srgbClr val="415172">
+                  <a:alpha val="79000"/>
+                </a:srgbClr>
+              </a:gs>
+              <a:gs pos="100000">
+                <a:schemeClr val="bg1">
+                  <a:lumMod val="75000"/>
+                  <a:alpha val="21000"/>
+                </a:schemeClr>
+              </a:gs>
+            </a:gsLst>
+            <a:lin ang="0" scaled="0"/>
+            <a:tileRect/>
+          </a:gradFill>
+          <a:ln>
+            <a:noFill/>
+          </a:ln>
+        </p:spPr>
+        <p:style>
+          <a:lnRef idx="2">
+            <a:schemeClr val="accent1">
+              <a:shade val="50000"/>
+            </a:schemeClr>
+          </a:lnRef>
+          <a:fillRef idx="1">
+            <a:schemeClr val="accent1"/>
+          </a:fillRef>
+          <a:effectRef idx="0">
+            <a:schemeClr val="accent1"/>
+          </a:effectRef>
+          <a:fontRef idx="minor">
+            <a:schemeClr val="lt1"/>
+          </a:fontRef>
+        </p:style>
+        <p:txBody>
+          <a:bodyPr rtlCol="0" anchor="ctr"/>
+          <a:lstStyle/>
+          <a:p>
+            <a:pPr algn="ctr"/>
+            <a:endParaRPr lang="en-GB" dirty="0"/>
+          </a:p>
+        </p:txBody>
+      </p:sp>
     </p:spTree>
     <p:extLst>
       <p:ext uri="{BB962C8B-B14F-4D97-AF65-F5344CB8AC3E}">
